--- a/data/cyprich_AP_2024_zadanie6_arma.pptx
+++ b/data/cyprich_AP_2024_zadanie6_arma.pptx
@@ -132,7 +132,7 @@
 <file path=ppt/revisionInfo.xml><?xml version="1.0" encoding="utf-8"?>
 <p1510:revInfo xmlns:a="http://schemas.openxmlformats.org/drawingml/2006/main" xmlns:r="http://schemas.openxmlformats.org/officeDocument/2006/relationships" xmlns:p1510="http://schemas.microsoft.com/office/powerpoint/2015/10/main">
   <p1510:revLst>
-    <p1510:client id="{5EB814CF-64BE-4C5A-8E3D-28A787A74D03}" v="553" dt="2024-12-09T19:10:00.949"/>
+    <p1510:client id="{5EB814CF-64BE-4C5A-8E3D-28A787A74D03}" v="567" dt="2024-12-10T13:51:41.782"/>
   </p1510:revLst>
 </p1510:revInfo>
 </file>
@@ -142,7 +142,7 @@
   <pc:docChgLst>
     <pc:chgData name="STUD - Peter Cyprich" userId="098f3bb1-c630-41a5-a724-4a8437abd012" providerId="ADAL" clId="{5EB814CF-64BE-4C5A-8E3D-28A787A74D03}"/>
     <pc:docChg chg="undo custSel addSld delSld modSld sldOrd">
-      <pc:chgData name="STUD - Peter Cyprich" userId="098f3bb1-c630-41a5-a724-4a8437abd012" providerId="ADAL" clId="{5EB814CF-64BE-4C5A-8E3D-28A787A74D03}" dt="2024-12-09T19:14:08.092" v="1746" actId="313"/>
+      <pc:chgData name="STUD - Peter Cyprich" userId="098f3bb1-c630-41a5-a724-4a8437abd012" providerId="ADAL" clId="{5EB814CF-64BE-4C5A-8E3D-28A787A74D03}" dt="2024-12-10T13:51:41.780" v="1760" actId="14826"/>
       <pc:docMkLst>
         <pc:docMk/>
       </pc:docMkLst>
@@ -170,7 +170,7 @@
         </pc:spChg>
       </pc:sldChg>
       <pc:sldChg chg="addSp delSp modSp mod">
-        <pc:chgData name="STUD - Peter Cyprich" userId="098f3bb1-c630-41a5-a724-4a8437abd012" providerId="ADAL" clId="{5EB814CF-64BE-4C5A-8E3D-28A787A74D03}" dt="2024-12-09T19:13:16.022" v="1743" actId="1076"/>
+        <pc:chgData name="STUD - Peter Cyprich" userId="098f3bb1-c630-41a5-a724-4a8437abd012" providerId="ADAL" clId="{5EB814CF-64BE-4C5A-8E3D-28A787A74D03}" dt="2024-12-10T13:49:47.611" v="1747" actId="14826"/>
         <pc:sldMkLst>
           <pc:docMk/>
           <pc:sldMk cId="1745612847" sldId="258"/>
@@ -192,7 +192,7 @@
           </ac:spMkLst>
         </pc:spChg>
         <pc:picChg chg="add mod">
-          <ac:chgData name="STUD - Peter Cyprich" userId="098f3bb1-c630-41a5-a724-4a8437abd012" providerId="ADAL" clId="{5EB814CF-64BE-4C5A-8E3D-28A787A74D03}" dt="2024-12-09T19:13:16.022" v="1743" actId="1076"/>
+          <ac:chgData name="STUD - Peter Cyprich" userId="098f3bb1-c630-41a5-a724-4a8437abd012" providerId="ADAL" clId="{5EB814CF-64BE-4C5A-8E3D-28A787A74D03}" dt="2024-12-10T13:49:47.611" v="1747" actId="14826"/>
           <ac:picMkLst>
             <pc:docMk/>
             <pc:sldMk cId="1745612847" sldId="258"/>
@@ -209,7 +209,7 @@
         </pc:picChg>
       </pc:sldChg>
       <pc:sldChg chg="delSp modSp add mod">
-        <pc:chgData name="STUD - Peter Cyprich" userId="098f3bb1-c630-41a5-a724-4a8437abd012" providerId="ADAL" clId="{5EB814CF-64BE-4C5A-8E3D-28A787A74D03}" dt="2024-12-09T16:04:44.565" v="480" actId="14826"/>
+        <pc:chgData name="STUD - Peter Cyprich" userId="098f3bb1-c630-41a5-a724-4a8437abd012" providerId="ADAL" clId="{5EB814CF-64BE-4C5A-8E3D-28A787A74D03}" dt="2024-12-10T13:49:57.283" v="1748" actId="14826"/>
         <pc:sldMkLst>
           <pc:docMk/>
           <pc:sldMk cId="1335996058" sldId="259"/>
@@ -231,7 +231,7 @@
           </ac:spMkLst>
         </pc:spChg>
         <pc:picChg chg="mod">
-          <ac:chgData name="STUD - Peter Cyprich" userId="098f3bb1-c630-41a5-a724-4a8437abd012" providerId="ADAL" clId="{5EB814CF-64BE-4C5A-8E3D-28A787A74D03}" dt="2024-12-09T16:04:44.565" v="480" actId="14826"/>
+          <ac:chgData name="STUD - Peter Cyprich" userId="098f3bb1-c630-41a5-a724-4a8437abd012" providerId="ADAL" clId="{5EB814CF-64BE-4C5A-8E3D-28A787A74D03}" dt="2024-12-10T13:49:57.283" v="1748" actId="14826"/>
           <ac:picMkLst>
             <pc:docMk/>
             <pc:sldMk cId="1335996058" sldId="259"/>
@@ -247,7 +247,7 @@
         </pc:sldMkLst>
       </pc:sldChg>
       <pc:sldChg chg="modSp add mod">
-        <pc:chgData name="STUD - Peter Cyprich" userId="098f3bb1-c630-41a5-a724-4a8437abd012" providerId="ADAL" clId="{5EB814CF-64BE-4C5A-8E3D-28A787A74D03}" dt="2024-12-09T16:04:55.057" v="481" actId="14826"/>
+        <pc:chgData name="STUD - Peter Cyprich" userId="098f3bb1-c630-41a5-a724-4a8437abd012" providerId="ADAL" clId="{5EB814CF-64BE-4C5A-8E3D-28A787A74D03}" dt="2024-12-10T13:50:05.993" v="1749" actId="14826"/>
         <pc:sldMkLst>
           <pc:docMk/>
           <pc:sldMk cId="865398773" sldId="260"/>
@@ -261,7 +261,7 @@
           </ac:spMkLst>
         </pc:spChg>
         <pc:picChg chg="mod">
-          <ac:chgData name="STUD - Peter Cyprich" userId="098f3bb1-c630-41a5-a724-4a8437abd012" providerId="ADAL" clId="{5EB814CF-64BE-4C5A-8E3D-28A787A74D03}" dt="2024-12-09T16:04:55.057" v="481" actId="14826"/>
+          <ac:chgData name="STUD - Peter Cyprich" userId="098f3bb1-c630-41a5-a724-4a8437abd012" providerId="ADAL" clId="{5EB814CF-64BE-4C5A-8E3D-28A787A74D03}" dt="2024-12-10T13:50:05.993" v="1749" actId="14826"/>
           <ac:picMkLst>
             <pc:docMk/>
             <pc:sldMk cId="865398773" sldId="260"/>
@@ -270,7 +270,7 @@
         </pc:picChg>
       </pc:sldChg>
       <pc:sldChg chg="modSp add mod">
-        <pc:chgData name="STUD - Peter Cyprich" userId="098f3bb1-c630-41a5-a724-4a8437abd012" providerId="ADAL" clId="{5EB814CF-64BE-4C5A-8E3D-28A787A74D03}" dt="2024-12-09T16:05:05.580" v="482" actId="14826"/>
+        <pc:chgData name="STUD - Peter Cyprich" userId="098f3bb1-c630-41a5-a724-4a8437abd012" providerId="ADAL" clId="{5EB814CF-64BE-4C5A-8E3D-28A787A74D03}" dt="2024-12-10T13:50:12.808" v="1750" actId="14826"/>
         <pc:sldMkLst>
           <pc:docMk/>
           <pc:sldMk cId="485329006" sldId="261"/>
@@ -284,7 +284,7 @@
           </ac:spMkLst>
         </pc:spChg>
         <pc:picChg chg="mod">
-          <ac:chgData name="STUD - Peter Cyprich" userId="098f3bb1-c630-41a5-a724-4a8437abd012" providerId="ADAL" clId="{5EB814CF-64BE-4C5A-8E3D-28A787A74D03}" dt="2024-12-09T16:05:05.580" v="482" actId="14826"/>
+          <ac:chgData name="STUD - Peter Cyprich" userId="098f3bb1-c630-41a5-a724-4a8437abd012" providerId="ADAL" clId="{5EB814CF-64BE-4C5A-8E3D-28A787A74D03}" dt="2024-12-10T13:50:12.808" v="1750" actId="14826"/>
           <ac:picMkLst>
             <pc:docMk/>
             <pc:sldMk cId="485329006" sldId="261"/>
@@ -307,7 +307,7 @@
         </pc:sldMkLst>
       </pc:sldChg>
       <pc:sldChg chg="modSp add mod">
-        <pc:chgData name="STUD - Peter Cyprich" userId="098f3bb1-c630-41a5-a724-4a8437abd012" providerId="ADAL" clId="{5EB814CF-64BE-4C5A-8E3D-28A787A74D03}" dt="2024-12-09T18:41:30.681" v="734" actId="14826"/>
+        <pc:chgData name="STUD - Peter Cyprich" userId="098f3bb1-c630-41a5-a724-4a8437abd012" providerId="ADAL" clId="{5EB814CF-64BE-4C5A-8E3D-28A787A74D03}" dt="2024-12-10T13:50:22.284" v="1751" actId="14826"/>
         <pc:sldMkLst>
           <pc:docMk/>
           <pc:sldMk cId="1931588930" sldId="262"/>
@@ -321,7 +321,7 @@
           </ac:spMkLst>
         </pc:spChg>
         <pc:picChg chg="mod">
-          <ac:chgData name="STUD - Peter Cyprich" userId="098f3bb1-c630-41a5-a724-4a8437abd012" providerId="ADAL" clId="{5EB814CF-64BE-4C5A-8E3D-28A787A74D03}" dt="2024-12-09T18:41:30.681" v="734" actId="14826"/>
+          <ac:chgData name="STUD - Peter Cyprich" userId="098f3bb1-c630-41a5-a724-4a8437abd012" providerId="ADAL" clId="{5EB814CF-64BE-4C5A-8E3D-28A787A74D03}" dt="2024-12-10T13:50:22.284" v="1751" actId="14826"/>
           <ac:picMkLst>
             <pc:docMk/>
             <pc:sldMk cId="1931588930" sldId="262"/>
@@ -337,7 +337,7 @@
         </pc:sldMkLst>
       </pc:sldChg>
       <pc:sldChg chg="modSp add mod">
-        <pc:chgData name="STUD - Peter Cyprich" userId="098f3bb1-c630-41a5-a724-4a8437abd012" providerId="ADAL" clId="{5EB814CF-64BE-4C5A-8E3D-28A787A74D03}" dt="2024-12-09T18:42:09.944" v="735" actId="14826"/>
+        <pc:chgData name="STUD - Peter Cyprich" userId="098f3bb1-c630-41a5-a724-4a8437abd012" providerId="ADAL" clId="{5EB814CF-64BE-4C5A-8E3D-28A787A74D03}" dt="2024-12-10T13:50:29.014" v="1752" actId="14826"/>
         <pc:sldMkLst>
           <pc:docMk/>
           <pc:sldMk cId="1036886557" sldId="263"/>
@@ -351,7 +351,7 @@
           </ac:spMkLst>
         </pc:spChg>
         <pc:picChg chg="mod">
-          <ac:chgData name="STUD - Peter Cyprich" userId="098f3bb1-c630-41a5-a724-4a8437abd012" providerId="ADAL" clId="{5EB814CF-64BE-4C5A-8E3D-28A787A74D03}" dt="2024-12-09T18:42:09.944" v="735" actId="14826"/>
+          <ac:chgData name="STUD - Peter Cyprich" userId="098f3bb1-c630-41a5-a724-4a8437abd012" providerId="ADAL" clId="{5EB814CF-64BE-4C5A-8E3D-28A787A74D03}" dt="2024-12-10T13:50:29.014" v="1752" actId="14826"/>
           <ac:picMkLst>
             <pc:docMk/>
             <pc:sldMk cId="1036886557" sldId="263"/>
@@ -360,7 +360,7 @@
         </pc:picChg>
       </pc:sldChg>
       <pc:sldChg chg="modSp add mod">
-        <pc:chgData name="STUD - Peter Cyprich" userId="098f3bb1-c630-41a5-a724-4a8437abd012" providerId="ADAL" clId="{5EB814CF-64BE-4C5A-8E3D-28A787A74D03}" dt="2024-12-09T18:42:32.902" v="736" actId="14826"/>
+        <pc:chgData name="STUD - Peter Cyprich" userId="098f3bb1-c630-41a5-a724-4a8437abd012" providerId="ADAL" clId="{5EB814CF-64BE-4C5A-8E3D-28A787A74D03}" dt="2024-12-10T13:50:37.764" v="1753" actId="14826"/>
         <pc:sldMkLst>
           <pc:docMk/>
           <pc:sldMk cId="3363526938" sldId="264"/>
@@ -374,7 +374,7 @@
           </ac:spMkLst>
         </pc:spChg>
         <pc:picChg chg="mod">
-          <ac:chgData name="STUD - Peter Cyprich" userId="098f3bb1-c630-41a5-a724-4a8437abd012" providerId="ADAL" clId="{5EB814CF-64BE-4C5A-8E3D-28A787A74D03}" dt="2024-12-09T18:42:32.902" v="736" actId="14826"/>
+          <ac:chgData name="STUD - Peter Cyprich" userId="098f3bb1-c630-41a5-a724-4a8437abd012" providerId="ADAL" clId="{5EB814CF-64BE-4C5A-8E3D-28A787A74D03}" dt="2024-12-10T13:50:37.764" v="1753" actId="14826"/>
           <ac:picMkLst>
             <pc:docMk/>
             <pc:sldMk cId="3363526938" sldId="264"/>
@@ -397,7 +397,7 @@
         </pc:sldMkLst>
       </pc:sldChg>
       <pc:sldChg chg="addSp modSp add mod">
-        <pc:chgData name="STUD - Peter Cyprich" userId="098f3bb1-c630-41a5-a724-4a8437abd012" providerId="ADAL" clId="{5EB814CF-64BE-4C5A-8E3D-28A787A74D03}" dt="2024-12-09T18:42:43.672" v="737" actId="14826"/>
+        <pc:chgData name="STUD - Peter Cyprich" userId="098f3bb1-c630-41a5-a724-4a8437abd012" providerId="ADAL" clId="{5EB814CF-64BE-4C5A-8E3D-28A787A74D03}" dt="2024-12-10T13:50:45.581" v="1754" actId="14826"/>
         <pc:sldMkLst>
           <pc:docMk/>
           <pc:sldMk cId="3462224595" sldId="265"/>
@@ -419,7 +419,7 @@
           </ac:graphicFrameMkLst>
         </pc:graphicFrameChg>
         <pc:picChg chg="mod">
-          <ac:chgData name="STUD - Peter Cyprich" userId="098f3bb1-c630-41a5-a724-4a8437abd012" providerId="ADAL" clId="{5EB814CF-64BE-4C5A-8E3D-28A787A74D03}" dt="2024-12-09T18:42:43.672" v="737" actId="14826"/>
+          <ac:chgData name="STUD - Peter Cyprich" userId="098f3bb1-c630-41a5-a724-4a8437abd012" providerId="ADAL" clId="{5EB814CF-64BE-4C5A-8E3D-28A787A74D03}" dt="2024-12-10T13:50:45.581" v="1754" actId="14826"/>
           <ac:picMkLst>
             <pc:docMk/>
             <pc:sldMk cId="3462224595" sldId="265"/>
@@ -495,7 +495,7 @@
         </pc:sldMkLst>
       </pc:sldChg>
       <pc:sldChg chg="modSp add mod">
-        <pc:chgData name="STUD - Peter Cyprich" userId="098f3bb1-c630-41a5-a724-4a8437abd012" providerId="ADAL" clId="{5EB814CF-64BE-4C5A-8E3D-28A787A74D03}" dt="2024-12-09T16:07:12.572" v="548" actId="20577"/>
+        <pc:chgData name="STUD - Peter Cyprich" userId="098f3bb1-c630-41a5-a724-4a8437abd012" providerId="ADAL" clId="{5EB814CF-64BE-4C5A-8E3D-28A787A74D03}" dt="2024-12-10T13:51:10.271" v="1757" actId="14826"/>
         <pc:sldMkLst>
           <pc:docMk/>
           <pc:sldMk cId="3464351242" sldId="268"/>
@@ -509,7 +509,7 @@
           </ac:spMkLst>
         </pc:spChg>
         <pc:picChg chg="mod">
-          <ac:chgData name="STUD - Peter Cyprich" userId="098f3bb1-c630-41a5-a724-4a8437abd012" providerId="ADAL" clId="{5EB814CF-64BE-4C5A-8E3D-28A787A74D03}" dt="2024-12-09T16:06:11.102" v="489" actId="14826"/>
+          <ac:chgData name="STUD - Peter Cyprich" userId="098f3bb1-c630-41a5-a724-4a8437abd012" providerId="ADAL" clId="{5EB814CF-64BE-4C5A-8E3D-28A787A74D03}" dt="2024-12-10T13:51:10.271" v="1757" actId="14826"/>
           <ac:picMkLst>
             <pc:docMk/>
             <pc:sldMk cId="3464351242" sldId="268"/>
@@ -525,7 +525,7 @@
         </pc:sldMkLst>
       </pc:sldChg>
       <pc:sldChg chg="modSp add mod">
-        <pc:chgData name="STUD - Peter Cyprich" userId="098f3bb1-c630-41a5-a724-4a8437abd012" providerId="ADAL" clId="{5EB814CF-64BE-4C5A-8E3D-28A787A74D03}" dt="2024-12-09T16:07:22.783" v="552" actId="20577"/>
+        <pc:chgData name="STUD - Peter Cyprich" userId="098f3bb1-c630-41a5-a724-4a8437abd012" providerId="ADAL" clId="{5EB814CF-64BE-4C5A-8E3D-28A787A74D03}" dt="2024-12-10T13:51:17.281" v="1758" actId="14826"/>
         <pc:sldMkLst>
           <pc:docMk/>
           <pc:sldMk cId="497233571" sldId="269"/>
@@ -539,7 +539,7 @@
           </ac:spMkLst>
         </pc:spChg>
         <pc:picChg chg="mod">
-          <ac:chgData name="STUD - Peter Cyprich" userId="098f3bb1-c630-41a5-a724-4a8437abd012" providerId="ADAL" clId="{5EB814CF-64BE-4C5A-8E3D-28A787A74D03}" dt="2024-12-09T16:06:17.695" v="490" actId="14826"/>
+          <ac:chgData name="STUD - Peter Cyprich" userId="098f3bb1-c630-41a5-a724-4a8437abd012" providerId="ADAL" clId="{5EB814CF-64BE-4C5A-8E3D-28A787A74D03}" dt="2024-12-10T13:51:17.281" v="1758" actId="14826"/>
           <ac:picMkLst>
             <pc:docMk/>
             <pc:sldMk cId="497233571" sldId="269"/>
@@ -548,7 +548,7 @@
         </pc:picChg>
       </pc:sldChg>
       <pc:sldChg chg="modSp add mod">
-        <pc:chgData name="STUD - Peter Cyprich" userId="098f3bb1-c630-41a5-a724-4a8437abd012" providerId="ADAL" clId="{5EB814CF-64BE-4C5A-8E3D-28A787A74D03}" dt="2024-12-09T16:07:29.829" v="556" actId="20577"/>
+        <pc:chgData name="STUD - Peter Cyprich" userId="098f3bb1-c630-41a5-a724-4a8437abd012" providerId="ADAL" clId="{5EB814CF-64BE-4C5A-8E3D-28A787A74D03}" dt="2024-12-10T13:51:33.943" v="1759" actId="14826"/>
         <pc:sldMkLst>
           <pc:docMk/>
           <pc:sldMk cId="1991413343" sldId="270"/>
@@ -562,7 +562,7 @@
           </ac:spMkLst>
         </pc:spChg>
         <pc:picChg chg="mod">
-          <ac:chgData name="STUD - Peter Cyprich" userId="098f3bb1-c630-41a5-a724-4a8437abd012" providerId="ADAL" clId="{5EB814CF-64BE-4C5A-8E3D-28A787A74D03}" dt="2024-12-09T16:06:24.206" v="491" actId="14826"/>
+          <ac:chgData name="STUD - Peter Cyprich" userId="098f3bb1-c630-41a5-a724-4a8437abd012" providerId="ADAL" clId="{5EB814CF-64BE-4C5A-8E3D-28A787A74D03}" dt="2024-12-10T13:51:33.943" v="1759" actId="14826"/>
           <ac:picMkLst>
             <pc:docMk/>
             <pc:sldMk cId="1991413343" sldId="270"/>
@@ -571,7 +571,7 @@
         </pc:picChg>
       </pc:sldChg>
       <pc:sldChg chg="modSp add mod">
-        <pc:chgData name="STUD - Peter Cyprich" userId="098f3bb1-c630-41a5-a724-4a8437abd012" providerId="ADAL" clId="{5EB814CF-64BE-4C5A-8E3D-28A787A74D03}" dt="2024-12-09T19:10:00.949" v="1742" actId="20577"/>
+        <pc:chgData name="STUD - Peter Cyprich" userId="098f3bb1-c630-41a5-a724-4a8437abd012" providerId="ADAL" clId="{5EB814CF-64BE-4C5A-8E3D-28A787A74D03}" dt="2024-12-10T13:51:41.780" v="1760" actId="14826"/>
         <pc:sldMkLst>
           <pc:docMk/>
           <pc:sldMk cId="2983439816" sldId="271"/>
@@ -585,7 +585,7 @@
           </ac:spMkLst>
         </pc:spChg>
         <pc:picChg chg="mod ord">
-          <ac:chgData name="STUD - Peter Cyprich" userId="098f3bb1-c630-41a5-a724-4a8437abd012" providerId="ADAL" clId="{5EB814CF-64BE-4C5A-8E3D-28A787A74D03}" dt="2024-12-09T19:08:35.053" v="1646" actId="167"/>
+          <ac:chgData name="STUD - Peter Cyprich" userId="098f3bb1-c630-41a5-a724-4a8437abd012" providerId="ADAL" clId="{5EB814CF-64BE-4C5A-8E3D-28A787A74D03}" dt="2024-12-10T13:51:41.780" v="1760" actId="14826"/>
           <ac:picMkLst>
             <pc:docMk/>
             <pc:sldMk cId="2983439816" sldId="271"/>
@@ -633,7 +633,7 @@
         </pc:picChg>
       </pc:sldChg>
       <pc:sldChg chg="modSp add mod">
-        <pc:chgData name="STUD - Peter Cyprich" userId="098f3bb1-c630-41a5-a724-4a8437abd012" providerId="ADAL" clId="{5EB814CF-64BE-4C5A-8E3D-28A787A74D03}" dt="2024-12-09T18:43:42.026" v="765" actId="6549"/>
+        <pc:chgData name="STUD - Peter Cyprich" userId="098f3bb1-c630-41a5-a724-4a8437abd012" providerId="ADAL" clId="{5EB814CF-64BE-4C5A-8E3D-28A787A74D03}" dt="2024-12-10T13:50:52.456" v="1755" actId="14826"/>
         <pc:sldMkLst>
           <pc:docMk/>
           <pc:sldMk cId="1865603357" sldId="273"/>
@@ -655,7 +655,7 @@
           </ac:graphicFrameMkLst>
         </pc:graphicFrameChg>
         <pc:picChg chg="mod">
-          <ac:chgData name="STUD - Peter Cyprich" userId="098f3bb1-c630-41a5-a724-4a8437abd012" providerId="ADAL" clId="{5EB814CF-64BE-4C5A-8E3D-28A787A74D03}" dt="2024-12-09T18:43:07.511" v="747" actId="14826"/>
+          <ac:chgData name="STUD - Peter Cyprich" userId="098f3bb1-c630-41a5-a724-4a8437abd012" providerId="ADAL" clId="{5EB814CF-64BE-4C5A-8E3D-28A787A74D03}" dt="2024-12-10T13:50:52.456" v="1755" actId="14826"/>
           <ac:picMkLst>
             <pc:docMk/>
             <pc:sldMk cId="1865603357" sldId="273"/>
@@ -664,7 +664,7 @@
         </pc:picChg>
       </pc:sldChg>
       <pc:sldChg chg="modSp add mod">
-        <pc:chgData name="STUD - Peter Cyprich" userId="098f3bb1-c630-41a5-a724-4a8437abd012" providerId="ADAL" clId="{5EB814CF-64BE-4C5A-8E3D-28A787A74D03}" dt="2024-12-09T18:46:02.197" v="807" actId="20577"/>
+        <pc:chgData name="STUD - Peter Cyprich" userId="098f3bb1-c630-41a5-a724-4a8437abd012" providerId="ADAL" clId="{5EB814CF-64BE-4C5A-8E3D-28A787A74D03}" dt="2024-12-10T13:51:00.318" v="1756" actId="14826"/>
         <pc:sldMkLst>
           <pc:docMk/>
           <pc:sldMk cId="1890141860" sldId="274"/>
@@ -686,7 +686,7 @@
           </ac:graphicFrameMkLst>
         </pc:graphicFrameChg>
         <pc:picChg chg="mod">
-          <ac:chgData name="STUD - Peter Cyprich" userId="098f3bb1-c630-41a5-a724-4a8437abd012" providerId="ADAL" clId="{5EB814CF-64BE-4C5A-8E3D-28A787A74D03}" dt="2024-12-09T18:44:05.126" v="773" actId="14826"/>
+          <ac:chgData name="STUD - Peter Cyprich" userId="098f3bb1-c630-41a5-a724-4a8437abd012" providerId="ADAL" clId="{5EB814CF-64BE-4C5A-8E3D-28A787A74D03}" dt="2024-12-10T13:51:00.318" v="1756" actId="14826"/>
           <ac:picMkLst>
             <pc:docMk/>
             <pc:sldMk cId="1890141860" sldId="274"/>
@@ -1120,7 +1120,7 @@
           <a:p>
             <a:fld id="{C128FA71-3A18-48C0-980F-4B68F7F63042}" type="datetime1">
               <a:rPr lang="en-US" smtClean="0"/>
-              <a:t>12/9/2024</a:t>
+              <a:t>12/10/2024</a:t>
             </a:fld>
             <a:endParaRPr lang="en-US" dirty="0"/>
           </a:p>
@@ -1328,7 +1328,7 @@
           <a:p>
             <a:fld id="{7104EDB3-C0E8-45F8-9E1D-1B6C8D1880C0}" type="datetime1">
               <a:rPr lang="en-US" smtClean="0"/>
-              <a:t>12/9/2024</a:t>
+              <a:t>12/10/2024</a:t>
             </a:fld>
             <a:endParaRPr lang="en-US" dirty="0"/>
           </a:p>
@@ -1538,7 +1538,7 @@
           <a:p>
             <a:fld id="{9CF0EC4B-54ED-4041-B552-9BA760FA3DBA}" type="datetime1">
               <a:rPr lang="en-US" smtClean="0"/>
-              <a:t>12/9/2024</a:t>
+              <a:t>12/10/2024</a:t>
             </a:fld>
             <a:endParaRPr lang="en-US" dirty="0"/>
           </a:p>
@@ -1736,7 +1736,7 @@
           <a:p>
             <a:fld id="{51C1210E-201E-4473-82AC-2466F5386C38}" type="datetime1">
               <a:rPr lang="en-US" smtClean="0"/>
-              <a:t>12/9/2024</a:t>
+              <a:t>12/10/2024</a:t>
             </a:fld>
             <a:endParaRPr lang="en-US" dirty="0"/>
           </a:p>
@@ -2014,7 +2014,7 @@
           <a:p>
             <a:fld id="{B01EA198-6CAB-4B8F-B93F-1F9C8C4B6CE7}" type="datetime1">
               <a:rPr lang="en-US" smtClean="0"/>
-              <a:t>12/9/2024</a:t>
+              <a:t>12/10/2024</a:t>
             </a:fld>
             <a:endParaRPr lang="en-US" dirty="0"/>
           </a:p>
@@ -2286,7 +2286,7 @@
           <a:p>
             <a:fld id="{CA06041F-4525-44D5-AA4F-332294BF1F56}" type="datetime1">
               <a:rPr lang="en-US" smtClean="0"/>
-              <a:t>12/9/2024</a:t>
+              <a:t>12/10/2024</a:t>
             </a:fld>
             <a:endParaRPr lang="en-US" dirty="0"/>
           </a:p>
@@ -2710,7 +2710,7 @@
           <a:p>
             <a:fld id="{F9557091-BBDF-4EB9-BA6B-2BB67AC4FC0F}" type="datetime1">
               <a:rPr lang="en-US" smtClean="0"/>
-              <a:t>12/9/2024</a:t>
+              <a:t>12/10/2024</a:t>
             </a:fld>
             <a:endParaRPr lang="en-US" dirty="0"/>
           </a:p>
@@ -2851,7 +2851,7 @@
           <a:p>
             <a:fld id="{2D6B226B-77A6-410C-9796-083F278E0125}" type="datetime1">
               <a:rPr lang="en-US" smtClean="0"/>
-              <a:t>12/9/2024</a:t>
+              <a:t>12/10/2024</a:t>
             </a:fld>
             <a:endParaRPr lang="en-US" dirty="0"/>
           </a:p>
@@ -2964,7 +2964,7 @@
           <a:p>
             <a:fld id="{A23A578B-D289-4C40-8593-3D356C49DA58}" type="datetime1">
               <a:rPr lang="en-US" smtClean="0"/>
-              <a:t>12/9/2024</a:t>
+              <a:t>12/10/2024</a:t>
             </a:fld>
             <a:endParaRPr lang="en-US" dirty="0"/>
           </a:p>
@@ -3283,7 +3283,7 @@
           <a:p>
             <a:fld id="{713DFAE3-14DB-48A7-A80F-80DDB072CE3D}" type="datetime1">
               <a:rPr lang="en-US" smtClean="0"/>
-              <a:t>12/9/2024</a:t>
+              <a:t>12/10/2024</a:t>
             </a:fld>
             <a:endParaRPr lang="en-US" dirty="0"/>
           </a:p>
@@ -3577,7 +3577,7 @@
           <a:p>
             <a:fld id="{92C5EAEF-6478-4102-8F5D-A5FE9FC97ACB}" type="datetime1">
               <a:rPr lang="en-US" smtClean="0"/>
-              <a:t>12/9/2024</a:t>
+              <a:t>12/10/2024</a:t>
             </a:fld>
             <a:endParaRPr lang="en-US" dirty="0"/>
           </a:p>
@@ -3818,7 +3818,7 @@
           <a:p>
             <a:fld id="{67F45AC6-C491-4585-A584-9CE2AF7D5500}" type="datetime1">
               <a:rPr lang="en-US" smtClean="0"/>
-              <a:t>12/9/2024</a:t>
+              <a:t>12/10/2024</a:t>
             </a:fld>
             <a:endParaRPr lang="en-US" dirty="0"/>
           </a:p>
@@ -5156,11 +5156,15 @@
           </p:nvPr>
         </p:nvPicPr>
         <p:blipFill>
-          <a:blip r:link="rId2"/>
+          <a:blip r:embed="rId2">
+            <a:extLst>
+              <a:ext uri="{28A0092B-C50C-407E-A947-70E740481C1C}">
+                <a14:useLocalDpi xmlns:a14="http://schemas.microsoft.com/office/drawing/2010/main" val="0"/>
+              </a:ext>
+            </a:extLst>
+          </a:blip>
           <a:srcRect/>
-          <a:stretch>
-            <a:fillRect/>
-          </a:stretch>
+          <a:stretch/>
         </p:blipFill>
         <p:spPr>
           <a:xfrm>
@@ -14508,11 +14512,15 @@
           </p:nvPr>
         </p:nvPicPr>
         <p:blipFill>
-          <a:blip r:link="rId3"/>
+          <a:blip r:embed="rId3">
+            <a:extLst>
+              <a:ext uri="{28A0092B-C50C-407E-A947-70E740481C1C}">
+                <a14:useLocalDpi xmlns:a14="http://schemas.microsoft.com/office/drawing/2010/main" val="0"/>
+              </a:ext>
+            </a:extLst>
+          </a:blip>
           <a:srcRect/>
-          <a:stretch>
-            <a:fillRect/>
-          </a:stretch>
+          <a:stretch/>
         </p:blipFill>
         <p:spPr>
           <a:xfrm>
@@ -14618,11 +14626,15 @@
           </p:nvPr>
         </p:nvPicPr>
         <p:blipFill>
-          <a:blip r:link="rId2"/>
+          <a:blip r:embed="rId2">
+            <a:extLst>
+              <a:ext uri="{28A0092B-C50C-407E-A947-70E740481C1C}">
+                <a14:useLocalDpi xmlns:a14="http://schemas.microsoft.com/office/drawing/2010/main" val="0"/>
+              </a:ext>
+            </a:extLst>
+          </a:blip>
           <a:srcRect/>
-          <a:stretch>
-            <a:fillRect/>
-          </a:stretch>
+          <a:stretch/>
         </p:blipFill>
         <p:spPr>
           <a:xfrm>
@@ -14728,11 +14740,15 @@
           </p:nvPr>
         </p:nvPicPr>
         <p:blipFill>
-          <a:blip r:link="rId2"/>
+          <a:blip r:embed="rId2">
+            <a:extLst>
+              <a:ext uri="{28A0092B-C50C-407E-A947-70E740481C1C}">
+                <a14:useLocalDpi xmlns:a14="http://schemas.microsoft.com/office/drawing/2010/main" val="0"/>
+              </a:ext>
+            </a:extLst>
+          </a:blip>
           <a:srcRect/>
-          <a:stretch>
-            <a:fillRect/>
-          </a:stretch>
+          <a:stretch/>
         </p:blipFill>
         <p:spPr>
           <a:xfrm>
@@ -14846,11 +14862,15 @@
           </p:nvPr>
         </p:nvPicPr>
         <p:blipFill>
-          <a:blip r:link="rId2"/>
+          <a:blip r:embed="rId2">
+            <a:extLst>
+              <a:ext uri="{28A0092B-C50C-407E-A947-70E740481C1C}">
+                <a14:useLocalDpi xmlns:a14="http://schemas.microsoft.com/office/drawing/2010/main" val="0"/>
+              </a:ext>
+            </a:extLst>
+          </a:blip>
           <a:srcRect/>
-          <a:stretch>
-            <a:fillRect/>
-          </a:stretch>
+          <a:stretch/>
         </p:blipFill>
         <p:spPr>
           <a:xfrm>
@@ -14960,11 +14980,15 @@
           </p:nvPr>
         </p:nvPicPr>
         <p:blipFill>
-          <a:blip r:link="rId2"/>
+          <a:blip r:embed="rId2">
+            <a:extLst>
+              <a:ext uri="{28A0092B-C50C-407E-A947-70E740481C1C}">
+                <a14:useLocalDpi xmlns:a14="http://schemas.microsoft.com/office/drawing/2010/main" val="0"/>
+              </a:ext>
+            </a:extLst>
+          </a:blip>
           <a:srcRect/>
-          <a:stretch>
-            <a:fillRect/>
-          </a:stretch>
+          <a:stretch/>
         </p:blipFill>
         <p:spPr>
           <a:xfrm>
@@ -15082,11 +15106,15 @@
           </p:nvPr>
         </p:nvPicPr>
         <p:blipFill>
-          <a:blip r:link="rId2"/>
+          <a:blip r:embed="rId2">
+            <a:extLst>
+              <a:ext uri="{28A0092B-C50C-407E-A947-70E740481C1C}">
+                <a14:useLocalDpi xmlns:a14="http://schemas.microsoft.com/office/drawing/2010/main" val="0"/>
+              </a:ext>
+            </a:extLst>
+          </a:blip>
           <a:srcRect/>
-          <a:stretch>
-            <a:fillRect/>
-          </a:stretch>
+          <a:stretch/>
         </p:blipFill>
         <p:spPr>
           <a:xfrm>
@@ -15204,11 +15232,15 @@
           </p:nvPr>
         </p:nvPicPr>
         <p:blipFill>
-          <a:blip r:link="rId2"/>
+          <a:blip r:embed="rId2">
+            <a:extLst>
+              <a:ext uri="{28A0092B-C50C-407E-A947-70E740481C1C}">
+                <a14:useLocalDpi xmlns:a14="http://schemas.microsoft.com/office/drawing/2010/main" val="0"/>
+              </a:ext>
+            </a:extLst>
+          </a:blip>
           <a:srcRect/>
-          <a:stretch>
-            <a:fillRect/>
-          </a:stretch>
+          <a:stretch/>
         </p:blipFill>
         <p:spPr>
           <a:xfrm>
@@ -15353,11 +15385,15 @@
           </p:nvPr>
         </p:nvPicPr>
         <p:blipFill>
-          <a:blip r:link="rId2"/>
+          <a:blip r:embed="rId2">
+            <a:extLst>
+              <a:ext uri="{28A0092B-C50C-407E-A947-70E740481C1C}">
+                <a14:useLocalDpi xmlns:a14="http://schemas.microsoft.com/office/drawing/2010/main" val="0"/>
+              </a:ext>
+            </a:extLst>
+          </a:blip>
           <a:srcRect/>
-          <a:stretch>
-            <a:fillRect/>
-          </a:stretch>
+          <a:stretch/>
         </p:blipFill>
         <p:spPr>
           <a:xfrm>
@@ -15966,6 +16002,15 @@
 </file>
 
 <file path=customXml/item1.xml><?xml version="1.0" encoding="utf-8"?>
+<?mso-contentType ?>
+<FormTemplates xmlns="http://schemas.microsoft.com/sharepoint/v3/contenttype/forms">
+  <Display>DocumentLibraryForm</Display>
+  <Edit>DocumentLibraryForm</Edit>
+  <New>DocumentLibraryForm</New>
+</FormTemplates>
+</file>
+
+<file path=customXml/item2.xml><?xml version="1.0" encoding="utf-8"?>
 <ct:contentTypeSchema xmlns:ct="http://schemas.microsoft.com/office/2006/metadata/contentType" xmlns:ma="http://schemas.microsoft.com/office/2006/metadata/properties/metaAttributes" ct:_="" ma:_="" ma:contentTypeName="Dokument" ma:contentTypeID="0x010100F1E5E07130354F4C90B7AEF965F7F7CF" ma:contentTypeVersion="16" ma:contentTypeDescription="Umožňuje vytvoriť nový dokument." ma:contentTypeScope="" ma:versionID="9e31676eadb4c6163cc2bdb453290bee">
   <xsd:schema xmlns:xsd="http://www.w3.org/2001/XMLSchema" xmlns:xs="http://www.w3.org/2001/XMLSchema" xmlns:p="http://schemas.microsoft.com/office/2006/metadata/properties" xmlns:ns3="231c4eac-96b6-4cf2-b251-23b838f7cf09" xmlns:ns4="3c9e0e30-e467-4344-9c23-ea945731e275" targetNamespace="http://schemas.microsoft.com/office/2006/metadata/properties" ma:root="true" ma:fieldsID="a11fbbdd28f19cbff9eff49f54037749" ns3:_="" ns4:_="">
     <xsd:import namespace="231c4eac-96b6-4cf2-b251-23b838f7cf09"/>
@@ -16204,15 +16249,6 @@
 </ct:contentTypeSchema>
 </file>
 
-<file path=customXml/item2.xml><?xml version="1.0" encoding="utf-8"?>
-<?mso-contentType ?>
-<FormTemplates xmlns="http://schemas.microsoft.com/sharepoint/v3/contenttype/forms">
-  <Display>DocumentLibraryForm</Display>
-  <Edit>DocumentLibraryForm</Edit>
-  <New>DocumentLibraryForm</New>
-</FormTemplates>
-</file>
-
 <file path=customXml/item3.xml><?xml version="1.0" encoding="utf-8"?>
 <p:properties xmlns:p="http://schemas.microsoft.com/office/2006/metadata/properties" xmlns:xsi="http://www.w3.org/2001/XMLSchema-instance" xmlns:pc="http://schemas.microsoft.com/office/infopath/2007/PartnerControls">
   <documentManagement>
@@ -16222,6 +16258,14 @@
 </file>
 
 <file path=customXml/itemProps1.xml><?xml version="1.0" encoding="utf-8"?>
+<ds:datastoreItem xmlns:ds="http://schemas.openxmlformats.org/officeDocument/2006/customXml" ds:itemID="{6D246073-CAEC-4C36-8D16-35E55B494596}">
+  <ds:schemaRefs>
+    <ds:schemaRef ds:uri="http://schemas.microsoft.com/sharepoint/v3/contenttype/forms"/>
+  </ds:schemaRefs>
+</ds:datastoreItem>
+</file>
+
+<file path=customXml/itemProps2.xml><?xml version="1.0" encoding="utf-8"?>
 <ds:datastoreItem xmlns:ds="http://schemas.openxmlformats.org/officeDocument/2006/customXml" ds:itemID="{9C2C5ADA-C04A-49B0-BB4B-58CF2286EFA3}">
   <ds:schemaRefs>
     <ds:schemaRef ds:uri="http://schemas.microsoft.com/office/2006/metadata/contentType"/>
@@ -16236,14 +16280,6 @@
     <ds:schemaRef ds:uri="http://purl.org/dc/elements/1.1/"/>
     <ds:schemaRef ds:uri="http://purl.org/dc/terms/"/>
     <ds:schemaRef ds:uri="http://schemas.microsoft.com/internal/obd"/>
-  </ds:schemaRefs>
-</ds:datastoreItem>
-</file>
-
-<file path=customXml/itemProps2.xml><?xml version="1.0" encoding="utf-8"?>
-<ds:datastoreItem xmlns:ds="http://schemas.openxmlformats.org/officeDocument/2006/customXml" ds:itemID="{6D246073-CAEC-4C36-8D16-35E55B494596}">
-  <ds:schemaRefs>
-    <ds:schemaRef ds:uri="http://schemas.microsoft.com/sharepoint/v3/contenttype/forms"/>
   </ds:schemaRefs>
 </ds:datastoreItem>
 </file>
